--- a/Presentazione_Progetto_Ristorante.pptx
+++ b/Presentazione_Progetto_Ristorante.pptx
@@ -259,7 +259,7 @@
           <a:p>
             <a:fld id="{48A87A34-81AB-432B-8DAE-1953F412C126}" type="datetimeFigureOut">
               <a:rPr lang="en-US" dirty="0"/>
-              <a:t>1/22/24</a:t>
+              <a:t>1/23/24</a:t>
             </a:fld>
             <a:endParaRPr lang="en-US" dirty="0"/>
           </a:p>
@@ -465,7 +465,7 @@
           <a:p>
             <a:fld id="{48A87A34-81AB-432B-8DAE-1953F412C126}" type="datetimeFigureOut">
               <a:rPr lang="en-US" dirty="0"/>
-              <a:t>1/22/24</a:t>
+              <a:t>1/23/24</a:t>
             </a:fld>
             <a:endParaRPr lang="en-US" dirty="0"/>
           </a:p>
@@ -675,7 +675,7 @@
           <a:p>
             <a:fld id="{48A87A34-81AB-432B-8DAE-1953F412C126}" type="datetimeFigureOut">
               <a:rPr lang="en-US" dirty="0"/>
-              <a:t>1/22/24</a:t>
+              <a:t>1/23/24</a:t>
             </a:fld>
             <a:endParaRPr lang="en-US" dirty="0"/>
           </a:p>
@@ -871,7 +871,7 @@
           <a:p>
             <a:fld id="{48A87A34-81AB-432B-8DAE-1953F412C126}" type="datetimeFigureOut">
               <a:rPr lang="en-US" dirty="0"/>
-              <a:t>1/22/24</a:t>
+              <a:t>1/23/24</a:t>
             </a:fld>
             <a:endParaRPr lang="en-US" dirty="0"/>
           </a:p>
@@ -1145,7 +1145,7 @@
           <a:p>
             <a:fld id="{48A87A34-81AB-432B-8DAE-1953F412C126}" type="datetimeFigureOut">
               <a:rPr lang="en-US" dirty="0"/>
-              <a:t>1/22/24</a:t>
+              <a:t>1/23/24</a:t>
             </a:fld>
             <a:endParaRPr lang="en-US" dirty="0"/>
           </a:p>
@@ -1408,7 +1408,7 @@
           <a:p>
             <a:fld id="{48A87A34-81AB-432B-8DAE-1953F412C126}" type="datetimeFigureOut">
               <a:rPr lang="en-US" dirty="0"/>
-              <a:t>1/22/24</a:t>
+              <a:t>1/23/24</a:t>
             </a:fld>
             <a:endParaRPr lang="en-US" dirty="0"/>
           </a:p>
@@ -1819,7 +1819,7 @@
           <a:p>
             <a:fld id="{48A87A34-81AB-432B-8DAE-1953F412C126}" type="datetimeFigureOut">
               <a:rPr lang="en-US" dirty="0"/>
-              <a:t>1/22/24</a:t>
+              <a:t>1/23/24</a:t>
             </a:fld>
             <a:endParaRPr lang="en-US" dirty="0"/>
           </a:p>
@@ -1963,7 +1963,7 @@
           <a:p>
             <a:fld id="{48A87A34-81AB-432B-8DAE-1953F412C126}" type="datetimeFigureOut">
               <a:rPr lang="en-US" dirty="0"/>
-              <a:t>1/22/24</a:t>
+              <a:t>1/23/24</a:t>
             </a:fld>
             <a:endParaRPr lang="en-US" dirty="0"/>
           </a:p>
@@ -2084,7 +2084,7 @@
           <a:p>
             <a:fld id="{48A87A34-81AB-432B-8DAE-1953F412C126}" type="datetimeFigureOut">
               <a:rPr lang="en-US" dirty="0"/>
-              <a:t>1/22/24</a:t>
+              <a:t>1/23/24</a:t>
             </a:fld>
             <a:endParaRPr lang="en-US" dirty="0"/>
           </a:p>
@@ -2330,7 +2330,7 @@
           <a:p>
             <a:fld id="{48A87A34-81AB-432B-8DAE-1953F412C126}" type="datetimeFigureOut">
               <a:rPr lang="en-US" dirty="0"/>
-              <a:t>1/22/24</a:t>
+              <a:t>1/23/24</a:t>
             </a:fld>
             <a:endParaRPr lang="en-US" dirty="0"/>
           </a:p>
@@ -2771,7 +2771,7 @@
             <a:fld id="{48A87A34-81AB-432B-8DAE-1953F412C126}" type="datetimeFigureOut">
               <a:rPr lang="en-US" dirty="0"/>
               <a:pPr/>
-              <a:t>1/22/24</a:t>
+              <a:t>1/23/24</a:t>
             </a:fld>
             <a:endParaRPr lang="en-US" dirty="0"/>
           </a:p>
@@ -3094,7 +3094,7 @@
             <a:fld id="{48A87A34-81AB-432B-8DAE-1953F412C126}" type="datetimeFigureOut">
               <a:rPr lang="en-US" dirty="0"/>
               <a:pPr/>
-              <a:t>1/22/24</a:t>
+              <a:t>1/23/24</a:t>
             </a:fld>
             <a:endParaRPr lang="en-US" dirty="0"/>
           </a:p>
@@ -3761,6 +3761,9 @@
           </a:p>
           <a:p>
             <a:pPr marL="0" indent="0">
+              <a:spcBef>
+                <a:spcPts val="0"/>
+              </a:spcBef>
               <a:buNone/>
             </a:pPr>
             <a:r>
@@ -3855,6 +3858,9 @@
           <a:lstStyle/>
           <a:p>
             <a:pPr marL="0" indent="0">
+              <a:spcBef>
+                <a:spcPts val="0"/>
+              </a:spcBef>
               <a:buNone/>
             </a:pPr>
             <a:r>
@@ -3864,6 +3870,9 @@
           </a:p>
           <a:p>
             <a:pPr marL="0" indent="0">
+              <a:spcBef>
+                <a:spcPts val="0"/>
+              </a:spcBef>
               <a:buNone/>
             </a:pPr>
             <a:r>
@@ -3958,6 +3967,9 @@
           <a:lstStyle/>
           <a:p>
             <a:pPr marL="0" indent="0">
+              <a:spcBef>
+                <a:spcPts val="0"/>
+              </a:spcBef>
               <a:buNone/>
             </a:pPr>
             <a:r>
@@ -3975,6 +3987,9 @@
           </a:p>
           <a:p>
             <a:pPr marL="0" indent="0">
+              <a:spcBef>
+                <a:spcPts val="0"/>
+              </a:spcBef>
               <a:buNone/>
             </a:pPr>
             <a:r>
@@ -4069,6 +4084,9 @@
           <a:lstStyle/>
           <a:p>
             <a:pPr marL="0" indent="0">
+              <a:spcBef>
+                <a:spcPts val="0"/>
+              </a:spcBef>
               <a:buNone/>
             </a:pPr>
             <a:r>
@@ -4077,24 +4095,44 @@
             </a:r>
           </a:p>
           <a:p>
+            <a:pPr>
+              <a:spcBef>
+                <a:spcPts val="0"/>
+              </a:spcBef>
+            </a:pPr>
             <a:r>
               <a:rPr lang="it-IT" dirty="0"/>
               <a:t>Il cliente, che dovrà richiedere di quanti posti necessita e, in caso ce ne siano di disponibili, ordinare;</a:t>
             </a:r>
           </a:p>
           <a:p>
+            <a:pPr>
+              <a:spcBef>
+                <a:spcPts val="0"/>
+              </a:spcBef>
+            </a:pPr>
             <a:r>
               <a:rPr lang="it-IT" dirty="0"/>
               <a:t>Il receptionist, che avrà il compito di gestire le richieste di posti dei clienti, verificare le disponibilità del ristorante e liberare i tavoli;</a:t>
             </a:r>
           </a:p>
           <a:p>
+            <a:pPr>
+              <a:spcBef>
+                <a:spcPts val="0"/>
+              </a:spcBef>
+            </a:pPr>
             <a:r>
               <a:rPr lang="it-IT" dirty="0"/>
               <a:t>I camerieri, che prenderanno gli ordini dei clienti e glieli riporteranno quando pronti;</a:t>
             </a:r>
           </a:p>
           <a:p>
+            <a:pPr>
+              <a:spcBef>
+                <a:spcPts val="0"/>
+              </a:spcBef>
+            </a:pPr>
             <a:r>
               <a:rPr lang="it-IT" dirty="0"/>
               <a:t>Lo chef, che personalizzerà il menù e cucinerà gli ordini portati dai camerieri.</a:t>
@@ -4406,6 +4444,9 @@
           <a:lstStyle/>
           <a:p>
             <a:pPr marL="0" indent="0">
+              <a:spcBef>
+                <a:spcPts val="0"/>
+              </a:spcBef>
               <a:buNone/>
             </a:pPr>
             <a:r>
@@ -4415,6 +4456,9 @@
           </a:p>
           <a:p>
             <a:pPr marL="0" indent="0">
+              <a:spcBef>
+                <a:spcPts val="0"/>
+              </a:spcBef>
               <a:buNone/>
             </a:pPr>
             <a:r>
@@ -4868,26 +4912,30 @@
               <a:lnSpc>
                 <a:spcPct val="110000"/>
               </a:lnSpc>
+              <a:spcBef>
+                <a:spcPts val="0"/>
+              </a:spcBef>
               <a:buNone/>
             </a:pPr>
             <a:r>
               <a:rPr lang="it-IT" dirty="0"/>
               <a:t>Effettuato l’accesso, i clienti interagiranno con il receptionist attraverso un’interfaccia grafica per comunicare di quanti posti hanno bisogno.</a:t>
             </a:r>
-            <a:endParaRPr lang="it-IT"/>
           </a:p>
           <a:p>
             <a:pPr marL="0" indent="0">
               <a:lnSpc>
                 <a:spcPct val="110000"/>
               </a:lnSpc>
+              <a:spcBef>
+                <a:spcPts val="0"/>
+              </a:spcBef>
               <a:buNone/>
             </a:pPr>
             <a:r>
               <a:rPr lang="it-IT" dirty="0"/>
               <a:t>Se ce ne sono abbastanza, potranno prendere un tavolo, altrimenti dovranno decidere se attendere o andarsene.</a:t>
             </a:r>
-            <a:endParaRPr lang="it-IT"/>
           </a:p>
         </p:txBody>
       </p:sp>
@@ -5323,6 +5371,9 @@
           <a:lstStyle/>
           <a:p>
             <a:pPr marL="0" indent="0">
+              <a:spcBef>
+                <a:spcPts val="0"/>
+              </a:spcBef>
               <a:buNone/>
             </a:pPr>
             <a:r>
@@ -5332,6 +5383,9 @@
           </a:p>
           <a:p>
             <a:pPr marL="0" indent="0">
+              <a:spcBef>
+                <a:spcPts val="0"/>
+              </a:spcBef>
               <a:buNone/>
             </a:pPr>
             <a:r>
@@ -5683,6 +5737,9 @@
           <a:lstStyle/>
           <a:p>
             <a:pPr marL="0" indent="0">
+              <a:spcBef>
+                <a:spcPts val="0"/>
+              </a:spcBef>
               <a:buNone/>
             </a:pPr>
             <a:r>
@@ -5692,6 +5749,9 @@
           </a:p>
           <a:p>
             <a:pPr marL="0" indent="0">
+              <a:spcBef>
+                <a:spcPts val="0"/>
+              </a:spcBef>
               <a:buNone/>
             </a:pPr>
             <a:r>
